--- a/PPT/Leaf Disease Detection Using Image processing.pptx
+++ b/PPT/Leaf Disease Detection Using Image processing.pptx
@@ -3433,14 +3433,7 @@
                 <a:latin typeface="Verdana" panose="020B0604030504040204" pitchFamily="34" charset="0"/>
                 <a:ea typeface="Verdana" panose="020B0604030504040204" pitchFamily="34" charset="0"/>
               </a:rPr>
-              <a:t> Rohan  </a:t>
-            </a:r>
-            <a:r>
-              <a:rPr lang="en-IN" sz="2200" dirty="0" smtClean="0">
-                <a:latin typeface="Verdana" panose="020B0604030504040204" pitchFamily="34" charset="0"/>
-                <a:ea typeface="Verdana" panose="020B0604030504040204" pitchFamily="34" charset="0"/>
-              </a:rPr>
-              <a:t>– </a:t>
+              <a:t> Rohan  – </a:t>
             </a:r>
             <a:r>
               <a:rPr lang="en-IN" sz="2200" dirty="0">
@@ -3479,7 +3472,42 @@
                 <a:latin typeface="Verdana" panose="020B0604030504040204" pitchFamily="34" charset="0"/>
                 <a:ea typeface="Verdana" panose="020B0604030504040204" pitchFamily="34" charset="0"/>
               </a:rPr>
-              <a:t> Shukla</a:t>
+              <a:t> Shukla –    </a:t>
+            </a:r>
+            <a:r>
+              <a:rPr lang="en-IN" sz="2200" dirty="0">
+                <a:latin typeface="Verdana" panose="020B0604030504040204" pitchFamily="34" charset="0"/>
+                <a:ea typeface="Verdana" panose="020B0604030504040204" pitchFamily="34" charset="0"/>
+              </a:rPr>
+              <a:t>	</a:t>
+            </a:r>
+            <a:r>
+              <a:rPr lang="en-IN" sz="2200" dirty="0" smtClean="0">
+                <a:latin typeface="Verdana" panose="020B0604030504040204" pitchFamily="34" charset="0"/>
+                <a:ea typeface="Verdana" panose="020B0604030504040204" pitchFamily="34" charset="0"/>
+              </a:rPr>
+              <a:t>84</a:t>
+            </a:r>
+          </a:p>
+          <a:p>
+            <a:pPr lvl="8">
+              <a:lnSpc>
+                <a:spcPct val="150000"/>
+              </a:lnSpc>
+            </a:pPr>
+            <a:r>
+              <a:rPr lang="en-IN" sz="2200" dirty="0" smtClean="0">
+                <a:latin typeface="Verdana" panose="020B0604030504040204" pitchFamily="34" charset="0"/>
+                <a:ea typeface="Verdana" panose="020B0604030504040204" pitchFamily="34" charset="0"/>
+              </a:rPr>
+              <a:t>Saniket </a:t>
+            </a:r>
+            <a:r>
+              <a:rPr lang="en-IN" sz="2200" dirty="0" err="1" smtClean="0">
+                <a:latin typeface="Verdana" panose="020B0604030504040204" pitchFamily="34" charset="0"/>
+                <a:ea typeface="Verdana" panose="020B0604030504040204" pitchFamily="34" charset="0"/>
+              </a:rPr>
+              <a:t>Patil</a:t>
             </a:r>
             <a:r>
               <a:rPr lang="en-IN" sz="2200" dirty="0" smtClean="0">
@@ -3489,59 +3517,6 @@
               <a:t> </a:t>
             </a:r>
             <a:r>
-              <a:rPr lang="en-IN" sz="2200" dirty="0" smtClean="0">
-                <a:latin typeface="Verdana" panose="020B0604030504040204" pitchFamily="34" charset="0"/>
-                <a:ea typeface="Verdana" panose="020B0604030504040204" pitchFamily="34" charset="0"/>
-              </a:rPr>
-              <a:t>–    </a:t>
-            </a:r>
-            <a:r>
-              <a:rPr lang="en-IN" sz="2200" dirty="0">
-                <a:latin typeface="Verdana" panose="020B0604030504040204" pitchFamily="34" charset="0"/>
-                <a:ea typeface="Verdana" panose="020B0604030504040204" pitchFamily="34" charset="0"/>
-              </a:rPr>
-              <a:t>	</a:t>
-            </a:r>
-            <a:r>
-              <a:rPr lang="en-IN" sz="2200" dirty="0" smtClean="0">
-                <a:latin typeface="Verdana" panose="020B0604030504040204" pitchFamily="34" charset="0"/>
-                <a:ea typeface="Verdana" panose="020B0604030504040204" pitchFamily="34" charset="0"/>
-              </a:rPr>
-              <a:t>84</a:t>
-            </a:r>
-            <a:endParaRPr lang="en-IN" sz="2200" dirty="0" smtClean="0">
-              <a:latin typeface="Verdana" panose="020B0604030504040204" pitchFamily="34" charset="0"/>
-              <a:ea typeface="Verdana" panose="020B0604030504040204" pitchFamily="34" charset="0"/>
-            </a:endParaRPr>
-          </a:p>
-          <a:p>
-            <a:pPr lvl="8">
-              <a:lnSpc>
-                <a:spcPct val="150000"/>
-              </a:lnSpc>
-            </a:pPr>
-            <a:r>
-              <a:rPr lang="en-IN" sz="2200" dirty="0" smtClean="0">
-                <a:latin typeface="Verdana" panose="020B0604030504040204" pitchFamily="34" charset="0"/>
-                <a:ea typeface="Verdana" panose="020B0604030504040204" pitchFamily="34" charset="0"/>
-              </a:rPr>
-              <a:t>Saniket </a:t>
-            </a:r>
-            <a:r>
-              <a:rPr lang="en-IN" sz="2200" dirty="0" err="1" smtClean="0">
-                <a:latin typeface="Verdana" panose="020B0604030504040204" pitchFamily="34" charset="0"/>
-                <a:ea typeface="Verdana" panose="020B0604030504040204" pitchFamily="34" charset="0"/>
-              </a:rPr>
-              <a:t>Patil</a:t>
-            </a:r>
-            <a:r>
-              <a:rPr lang="en-IN" sz="2200" dirty="0" smtClean="0">
-                <a:latin typeface="Verdana" panose="020B0604030504040204" pitchFamily="34" charset="0"/>
-                <a:ea typeface="Verdana" panose="020B0604030504040204" pitchFamily="34" charset="0"/>
-              </a:rPr>
-              <a:t> </a:t>
-            </a:r>
-            <a:r>
               <a:rPr lang="en-IN" sz="2200" dirty="0">
                 <a:latin typeface="Verdana" panose="020B0604030504040204" pitchFamily="34" charset="0"/>
                 <a:ea typeface="Verdana" panose="020B0604030504040204" pitchFamily="34" charset="0"/>
@@ -3553,14 +3528,7 @@
                 <a:latin typeface="Verdana" panose="020B0604030504040204" pitchFamily="34" charset="0"/>
                 <a:ea typeface="Verdana" panose="020B0604030504040204" pitchFamily="34" charset="0"/>
               </a:rPr>
-              <a:t>  – 	</a:t>
-            </a:r>
-            <a:r>
-              <a:rPr lang="en-IN" sz="2200" dirty="0" smtClean="0">
-                <a:latin typeface="Verdana" panose="020B0604030504040204" pitchFamily="34" charset="0"/>
-                <a:ea typeface="Verdana" panose="020B0604030504040204" pitchFamily="34" charset="0"/>
-              </a:rPr>
-              <a:t>85</a:t>
+              <a:t>  – 	85</a:t>
             </a:r>
             <a:endParaRPr lang="en-IN" sz="2200" dirty="0">
               <a:latin typeface="Verdana" panose="020B0604030504040204" pitchFamily="34" charset="0"/>
@@ -4594,14 +4562,9 @@
             </a:r>
           </a:p>
           <a:p>
-            <a:r>
-              <a:rPr lang="en-IN" sz="2800" dirty="0" err="1" smtClean="0"/>
-              <a:t>OpenCV</a:t>
-            </a:r>
-            <a:r>
-              <a:rPr lang="en-IN" sz="2800" dirty="0" smtClean="0"/>
-              <a:t> (3.4.3)</a:t>
-            </a:r>
+            <a:pPr marL="45720" indent="0">
+              <a:buNone/>
+            </a:pPr>
             <a:endParaRPr lang="en-IN" sz="2800" dirty="0"/>
           </a:p>
         </p:txBody>
@@ -4686,8 +4649,13 @@
             </a:pPr>
             <a:r>
               <a:rPr lang="en-IN" sz="3200" b="1" dirty="0" smtClean="0"/>
-              <a:t>Front End Tools:</a:t>
-            </a:r>
+              <a:t>IDE &amp; FRAMEWORKS </a:t>
+            </a:r>
+            <a:r>
+              <a:rPr lang="en-IN" sz="3200" b="1" dirty="0" smtClean="0"/>
+              <a:t>:-</a:t>
+            </a:r>
+            <a:endParaRPr lang="en-IN" sz="3200" b="1" dirty="0" smtClean="0"/>
           </a:p>
           <a:p>
             <a:r>
@@ -4702,20 +4670,40 @@
             </a:r>
             <a:r>
               <a:rPr lang="en-IN" sz="2800" dirty="0" smtClean="0"/>
-              <a:t> (2018.1 EAP)</a:t>
-            </a:r>
-          </a:p>
-          <a:p>
+              <a:t> (2018.1 EAP</a:t>
+            </a:r>
+            <a:r>
+              <a:rPr lang="en-IN" sz="2800" dirty="0" smtClean="0"/>
+              <a:t>)</a:t>
+            </a:r>
+          </a:p>
+          <a:p>
+            <a:r>
+              <a:rPr lang="en-IN" sz="2800" dirty="0" err="1"/>
+              <a:t>OpenCV</a:t>
+            </a:r>
+            <a:r>
+              <a:rPr lang="en-IN" sz="2800" dirty="0"/>
+              <a:t> (3.4.3)</a:t>
+            </a:r>
             <a:endParaRPr lang="en-IN" sz="2800" dirty="0" smtClean="0"/>
           </a:p>
           <a:p>
+            <a:endParaRPr lang="en-IN" sz="2800" dirty="0" smtClean="0"/>
+          </a:p>
+          <a:p>
             <a:pPr marL="45720" indent="0">
               <a:buNone/>
             </a:pPr>
             <a:r>
               <a:rPr lang="en-IN" sz="3200" b="1" dirty="0" smtClean="0"/>
-              <a:t>Back End Tools:</a:t>
-            </a:r>
+              <a:t>Back </a:t>
+            </a:r>
+            <a:r>
+              <a:rPr lang="en-IN" sz="3200" b="1" dirty="0" smtClean="0"/>
+              <a:t>End :</a:t>
+            </a:r>
+            <a:endParaRPr lang="en-IN" sz="3200" b="1" dirty="0" smtClean="0"/>
           </a:p>
           <a:p>
             <a:r>
